--- a/Veil2.pptx
+++ b/Veil2.pptx
@@ -4682,7 +4682,7 @@
         <p:spPr>
           <a:xfrm>
             <a:off x="-1" y="4502074"/>
-            <a:ext cx="12048566" cy="298579"/>
+            <a:ext cx="7324166" cy="298579"/>
           </a:xfrm>
           <a:prstGeom prst="rect">
             <a:avLst/>
@@ -4738,7 +4738,7 @@
         <p:spPr>
           <a:xfrm>
             <a:off x="-1" y="3674284"/>
-            <a:ext cx="12048566" cy="1362381"/>
+            <a:ext cx="7324166" cy="1362381"/>
           </a:xfrm>
           <a:prstGeom prst="rect">
             <a:avLst/>
@@ -4789,7 +4789,21 @@
                 <a:latin typeface="Roboto Black" panose="02000000000000000000" pitchFamily="2" charset="0"/>
                 <a:ea typeface="Roboto Black" panose="02000000000000000000" pitchFamily="2" charset="0"/>
               </a:rPr>
-              <a:t> (Баесовский классификатор)</a:t>
+              <a:t> (</a:t>
+            </a:r>
+            <a:r>
+              <a:rPr lang="en-US" dirty="0">
+                <a:latin typeface="Roboto Black" panose="02000000000000000000" pitchFamily="2" charset="0"/>
+                <a:ea typeface="Roboto Black" panose="02000000000000000000" pitchFamily="2" charset="0"/>
+              </a:rPr>
+              <a:t>multinomial NB</a:t>
+            </a:r>
+            <a:r>
+              <a:rPr lang="ru-RU" dirty="0">
+                <a:latin typeface="Roboto Black" panose="02000000000000000000" pitchFamily="2" charset="0"/>
+                <a:ea typeface="Roboto Black" panose="02000000000000000000" pitchFamily="2" charset="0"/>
+              </a:rPr>
+              <a:t>)</a:t>
             </a:r>
           </a:p>
         </p:txBody>
@@ -4810,8 +4824,8 @@
         </p:nvSpPr>
         <p:spPr>
           <a:xfrm>
-            <a:off x="-1" y="5036666"/>
-            <a:ext cx="12278061" cy="993544"/>
+            <a:off x="-1" y="5036665"/>
+            <a:ext cx="12192001" cy="1077263"/>
           </a:xfrm>
           <a:prstGeom prst="rect">
             <a:avLst/>
@@ -4848,7 +4862,21 @@
                 <a:latin typeface="Roboto Black" panose="02000000000000000000" pitchFamily="2" charset="0"/>
                 <a:ea typeface="Roboto Black" panose="02000000000000000000" pitchFamily="2" charset="0"/>
               </a:rPr>
-              <a:t>Определят преход разговор -</a:t>
+              <a:t>Определяет переход</a:t>
+            </a:r>
+            <a:r>
+              <a:rPr lang="en-US" sz="4400" dirty="0">
+                <a:latin typeface="Roboto Black" panose="02000000000000000000" pitchFamily="2" charset="0"/>
+                <a:ea typeface="Roboto Black" panose="02000000000000000000" pitchFamily="2" charset="0"/>
+              </a:rPr>
+              <a:t>:</a:t>
+            </a:r>
+            <a:r>
+              <a:rPr lang="ru-RU" sz="4400" dirty="0">
+                <a:latin typeface="Roboto Black" panose="02000000000000000000" pitchFamily="2" charset="0"/>
+                <a:ea typeface="Roboto Black" panose="02000000000000000000" pitchFamily="2" charset="0"/>
+              </a:rPr>
+              <a:t> разговор -</a:t>
             </a:r>
             <a:r>
               <a:rPr lang="en-US" sz="4400" dirty="0">
@@ -4862,7 +4890,7 @@
                 <a:latin typeface="Roboto Black" panose="02000000000000000000" pitchFamily="2" charset="0"/>
                 <a:ea typeface="Roboto Black" panose="02000000000000000000" pitchFamily="2" charset="0"/>
               </a:rPr>
-              <a:t> оскорбления</a:t>
+              <a:t> буллинг</a:t>
             </a:r>
           </a:p>
         </p:txBody>
@@ -5551,7 +5579,7 @@
         <p:spPr>
           <a:xfrm>
             <a:off x="-1" y="5036666"/>
-            <a:ext cx="12278061" cy="993544"/>
+            <a:ext cx="12278061" cy="1059334"/>
           </a:xfrm>
           <a:prstGeom prst="rect">
             <a:avLst/>
